--- a/Daily Agendas/Day3.4_EmojiEquity.pptx
+++ b/Daily Agendas/Day3.4_EmojiEquity.pptx
@@ -6,6 +6,8 @@
   </p:sldMasterIdLst>
   <p:sldIdLst>
     <p:sldId id="256" r:id="rId2"/>
+    <p:sldId id="257" r:id="rId3"/>
+    <p:sldId id="258" r:id="rId4"/>
   </p:sldIdLst>
   <p:sldSz cx="9144000" cy="6858000" type="screen4x3"/>
   <p:notesSz cx="6858000" cy="9144000"/>
@@ -303,7 +305,7 @@
             <a:fld id="{1D8BD707-D9CF-40AE-B4C6-C98DA3205C09}" type="datetimeFigureOut">
               <a:rPr lang="en-US" smtClean="0"/>
               <a:pPr/>
-              <a:t>9/19/2018</a:t>
+              <a:t>9/20/2018</a:t>
             </a:fld>
             <a:endParaRPr lang="en-US"/>
           </a:p>
@@ -468,7 +470,7 @@
             <a:fld id="{1D8BD707-D9CF-40AE-B4C6-C98DA3205C09}" type="datetimeFigureOut">
               <a:rPr lang="en-US" smtClean="0"/>
               <a:pPr/>
-              <a:t>9/19/2018</a:t>
+              <a:t>9/20/2018</a:t>
             </a:fld>
             <a:endParaRPr lang="en-US"/>
           </a:p>
@@ -643,7 +645,7 @@
             <a:fld id="{1D8BD707-D9CF-40AE-B4C6-C98DA3205C09}" type="datetimeFigureOut">
               <a:rPr lang="en-US" smtClean="0"/>
               <a:pPr/>
-              <a:t>9/19/2018</a:t>
+              <a:t>9/20/2018</a:t>
             </a:fld>
             <a:endParaRPr lang="en-US"/>
           </a:p>
@@ -808,7 +810,7 @@
             <a:fld id="{1D8BD707-D9CF-40AE-B4C6-C98DA3205C09}" type="datetimeFigureOut">
               <a:rPr lang="en-US" smtClean="0"/>
               <a:pPr/>
-              <a:t>9/19/2018</a:t>
+              <a:t>9/20/2018</a:t>
             </a:fld>
             <a:endParaRPr lang="en-US"/>
           </a:p>
@@ -1050,7 +1052,7 @@
             <a:fld id="{1D8BD707-D9CF-40AE-B4C6-C98DA3205C09}" type="datetimeFigureOut">
               <a:rPr lang="en-US" smtClean="0"/>
               <a:pPr/>
-              <a:t>9/19/2018</a:t>
+              <a:t>9/20/2018</a:t>
             </a:fld>
             <a:endParaRPr lang="en-US"/>
           </a:p>
@@ -1332,7 +1334,7 @@
             <a:fld id="{1D8BD707-D9CF-40AE-B4C6-C98DA3205C09}" type="datetimeFigureOut">
               <a:rPr lang="en-US" smtClean="0"/>
               <a:pPr/>
-              <a:t>9/19/2018</a:t>
+              <a:t>9/20/2018</a:t>
             </a:fld>
             <a:endParaRPr lang="en-US"/>
           </a:p>
@@ -1748,7 +1750,7 @@
             <a:fld id="{1D8BD707-D9CF-40AE-B4C6-C98DA3205C09}" type="datetimeFigureOut">
               <a:rPr lang="en-US" smtClean="0"/>
               <a:pPr/>
-              <a:t>9/19/2018</a:t>
+              <a:t>9/20/2018</a:t>
             </a:fld>
             <a:endParaRPr lang="en-US"/>
           </a:p>
@@ -1862,7 +1864,7 @@
             <a:fld id="{1D8BD707-D9CF-40AE-B4C6-C98DA3205C09}" type="datetimeFigureOut">
               <a:rPr lang="en-US" smtClean="0"/>
               <a:pPr/>
-              <a:t>9/19/2018</a:t>
+              <a:t>9/20/2018</a:t>
             </a:fld>
             <a:endParaRPr lang="en-US"/>
           </a:p>
@@ -1954,7 +1956,7 @@
             <a:fld id="{1D8BD707-D9CF-40AE-B4C6-C98DA3205C09}" type="datetimeFigureOut">
               <a:rPr lang="en-US" smtClean="0"/>
               <a:pPr/>
-              <a:t>9/19/2018</a:t>
+              <a:t>9/20/2018</a:t>
             </a:fld>
             <a:endParaRPr lang="en-US"/>
           </a:p>
@@ -2226,7 +2228,7 @@
             <a:fld id="{1D8BD707-D9CF-40AE-B4C6-C98DA3205C09}" type="datetimeFigureOut">
               <a:rPr lang="en-US" smtClean="0"/>
               <a:pPr/>
-              <a:t>9/19/2018</a:t>
+              <a:t>9/20/2018</a:t>
             </a:fld>
             <a:endParaRPr lang="en-US"/>
           </a:p>
@@ -2475,7 +2477,7 @@
             <a:fld id="{1D8BD707-D9CF-40AE-B4C6-C98DA3205C09}" type="datetimeFigureOut">
               <a:rPr lang="en-US" smtClean="0"/>
               <a:pPr/>
-              <a:t>9/19/2018</a:t>
+              <a:t>9/20/2018</a:t>
             </a:fld>
             <a:endParaRPr lang="en-US"/>
           </a:p>
@@ -2683,7 +2685,7 @@
             <a:fld id="{1D8BD707-D9CF-40AE-B4C6-C98DA3205C09}" type="datetimeFigureOut">
               <a:rPr lang="en-US" smtClean="0"/>
               <a:pPr/>
-              <a:t>9/19/2018</a:t>
+              <a:t>9/20/2018</a:t>
             </a:fld>
             <a:endParaRPr lang="en-US"/>
           </a:p>
@@ -3112,25 +3114,15 @@
             <a:pPr lvl="1"/>
             <a:r>
               <a:rPr lang="en-CA" dirty="0" smtClean="0"/>
-              <a:t>Case </a:t>
-            </a:r>
+              <a:t>Case Study C.1 Emoji Equity</a:t>
+            </a:r>
+          </a:p>
+          <a:p>
+            <a:pPr lvl="2"/>
             <a:r>
               <a:rPr lang="en-CA" dirty="0" smtClean="0"/>
-              <a:t>Study C.1 Emoji Equity</a:t>
-            </a:r>
-          </a:p>
-          <a:p>
-            <a:pPr lvl="2"/>
-            <a:r>
-              <a:rPr lang="en-CA" dirty="0" smtClean="0"/>
-              <a:t>Complete ASAP</a:t>
-            </a:r>
-            <a:endParaRPr lang="en-CA" dirty="0" smtClean="0"/>
-          </a:p>
-          <a:p>
-            <a:pPr lvl="1">
-              <a:buNone/>
-            </a:pPr>
+              <a:t>Begin / Complete</a:t>
+            </a:r>
             <a:endParaRPr lang="en-US" dirty="0" smtClean="0"/>
           </a:p>
           <a:p>
@@ -3148,12 +3140,12 @@
           <a:p>
             <a:pPr lvl="1"/>
             <a:r>
-              <a:rPr lang="en-US" dirty="0" err="1" smtClean="0"/>
-              <a:t>T.b.d</a:t>
+              <a:rPr lang="en-US" dirty="0" smtClean="0"/>
+              <a:t>Past Due: Mod B.1 </a:t>
             </a:r>
             <a:r>
               <a:rPr lang="en-US" smtClean="0"/>
-              <a:t>.</a:t>
+              <a:t>Python Introduction</a:t>
             </a:r>
             <a:endParaRPr lang="en-US" dirty="0" smtClean="0"/>
           </a:p>
@@ -3171,6 +3163,231 @@
       </p:par>
     </p:tnLst>
   </p:timing>
+</p:sld>
+</file>
+
+<file path=ppt/slides/slide2.xml><?xml version="1.0" encoding="utf-8"?>
+<p:sld xmlns:a="http://schemas.openxmlformats.org/drawingml/2006/main" xmlns:r="http://schemas.openxmlformats.org/officeDocument/2006/relationships" xmlns:p="http://schemas.openxmlformats.org/presentationml/2006/main">
+  <p:cSld>
+    <p:spTree>
+      <p:nvGrpSpPr>
+        <p:cNvPr id="1" name=""/>
+        <p:cNvGrpSpPr/>
+        <p:nvPr/>
+      </p:nvGrpSpPr>
+      <p:grpSpPr>
+        <a:xfrm>
+          <a:off x="0" y="0"/>
+          <a:ext cx="0" cy="0"/>
+          <a:chOff x="0" y="0"/>
+          <a:chExt cx="0" cy="0"/>
+        </a:xfrm>
+      </p:grpSpPr>
+      <p:sp>
+        <p:nvSpPr>
+          <p:cNvPr id="2" name="Title 1"/>
+          <p:cNvSpPr>
+            <a:spLocks noGrp="1"/>
+          </p:cNvSpPr>
+          <p:nvPr>
+            <p:ph type="title"/>
+          </p:nvPr>
+        </p:nvSpPr>
+        <p:spPr/>
+        <p:txBody>
+          <a:bodyPr/>
+          <a:lstStyle/>
+          <a:p>
+            <a:endParaRPr lang="en-US"/>
+          </a:p>
+        </p:txBody>
+      </p:sp>
+      <p:sp>
+        <p:nvSpPr>
+          <p:cNvPr id="3" name="Content Placeholder 2"/>
+          <p:cNvSpPr>
+            <a:spLocks noGrp="1"/>
+          </p:cNvSpPr>
+          <p:nvPr>
+            <p:ph idx="1"/>
+          </p:nvPr>
+        </p:nvSpPr>
+        <p:spPr/>
+        <p:txBody>
+          <a:bodyPr/>
+          <a:lstStyle/>
+          <a:p>
+            <a:endParaRPr lang="en-US"/>
+          </a:p>
+        </p:txBody>
+      </p:sp>
+      <p:pic>
+        <p:nvPicPr>
+          <p:cNvPr id="1026" name="Picture 2" descr="https://i.cbc.ca/1.4577726.1521131718!/fileImage/httpImage/image.jpg_gen/derivatives/16x9_780/facebook-emojis.jpg"/>
+          <p:cNvPicPr>
+            <a:picLocks noChangeAspect="1" noChangeArrowheads="1"/>
+          </p:cNvPicPr>
+          <p:nvPr/>
+        </p:nvPicPr>
+        <p:blipFill>
+          <a:blip r:embed="rId2">
+            <a:extLst>
+              <a:ext uri="{28A0092B-C50C-407E-A947-70E740481C1C}">
+                <a14:useLocalDpi xmlns:a14="http://schemas.microsoft.com/office/drawing/2010/main" val="0"/>
+              </a:ext>
+            </a:extLst>
+          </a:blip>
+          <a:srcRect/>
+          <a:stretch>
+            <a:fillRect/>
+          </a:stretch>
+        </p:blipFill>
+        <p:spPr bwMode="auto">
+          <a:xfrm>
+            <a:off x="914400" y="1219200"/>
+            <a:ext cx="7429500" cy="4181475"/>
+          </a:xfrm>
+          <a:prstGeom prst="rect">
+            <a:avLst/>
+          </a:prstGeom>
+          <a:noFill/>
+          <a:extLst>
+            <a:ext uri="{909E8E84-426E-40DD-AFC4-6F175D3DCCD1}">
+              <a14:hiddenFill xmlns:a14="http://schemas.microsoft.com/office/drawing/2010/main">
+                <a:solidFill>
+                  <a:srgbClr val="FFFFFF"/>
+                </a:solidFill>
+              </a14:hiddenFill>
+            </a:ext>
+          </a:extLst>
+        </p:spPr>
+      </p:pic>
+    </p:spTree>
+    <p:extLst>
+      <p:ext uri="{BB962C8B-B14F-4D97-AF65-F5344CB8AC3E}">
+        <p14:creationId xmlns:p14="http://schemas.microsoft.com/office/powerpoint/2010/main" val="1355736369"/>
+      </p:ext>
+    </p:extLst>
+  </p:cSld>
+  <p:clrMapOvr>
+    <a:masterClrMapping/>
+  </p:clrMapOvr>
+  <p:timing>
+    <p:tnLst>
+      <p:par>
+        <p:cTn id="1" dur="indefinite" restart="never" nodeType="tmRoot"/>
+      </p:par>
+    </p:tnLst>
+  </p:timing>
+</p:sld>
+</file>
+
+<file path=ppt/slides/slide3.xml><?xml version="1.0" encoding="utf-8"?>
+<p:sld xmlns:a="http://schemas.openxmlformats.org/drawingml/2006/main" xmlns:r="http://schemas.openxmlformats.org/officeDocument/2006/relationships" xmlns:p="http://schemas.openxmlformats.org/presentationml/2006/main">
+  <p:cSld>
+    <p:spTree>
+      <p:nvGrpSpPr>
+        <p:cNvPr id="1" name=""/>
+        <p:cNvGrpSpPr/>
+        <p:nvPr/>
+      </p:nvGrpSpPr>
+      <p:grpSpPr>
+        <a:xfrm>
+          <a:off x="0" y="0"/>
+          <a:ext cx="0" cy="0"/>
+          <a:chOff x="0" y="0"/>
+          <a:chExt cx="0" cy="0"/>
+        </a:xfrm>
+      </p:grpSpPr>
+      <p:sp>
+        <p:nvSpPr>
+          <p:cNvPr id="2" name="Title 1"/>
+          <p:cNvSpPr>
+            <a:spLocks noGrp="1"/>
+          </p:cNvSpPr>
+          <p:nvPr>
+            <p:ph type="title"/>
+          </p:nvPr>
+        </p:nvSpPr>
+        <p:spPr/>
+        <p:txBody>
+          <a:bodyPr/>
+          <a:lstStyle/>
+          <a:p>
+            <a:endParaRPr lang="en-US"/>
+          </a:p>
+        </p:txBody>
+      </p:sp>
+      <p:sp>
+        <p:nvSpPr>
+          <p:cNvPr id="3" name="Content Placeholder 2"/>
+          <p:cNvSpPr>
+            <a:spLocks noGrp="1"/>
+          </p:cNvSpPr>
+          <p:nvPr>
+            <p:ph idx="1"/>
+          </p:nvPr>
+        </p:nvSpPr>
+        <p:spPr/>
+        <p:txBody>
+          <a:bodyPr/>
+          <a:lstStyle/>
+          <a:p>
+            <a:endParaRPr lang="en-US"/>
+          </a:p>
+        </p:txBody>
+      </p:sp>
+      <p:pic>
+        <p:nvPicPr>
+          <p:cNvPr id="2050" name="Picture 2" descr="https://i.cbc.ca/1.3691113.1469569560!/fileImage/httpImage/image.png_gen/derivatives/16x9_780/diverse-google.png"/>
+          <p:cNvPicPr>
+            <a:picLocks noChangeAspect="1" noChangeArrowheads="1"/>
+          </p:cNvPicPr>
+          <p:nvPr/>
+        </p:nvPicPr>
+        <p:blipFill>
+          <a:blip r:embed="rId2">
+            <a:extLst>
+              <a:ext uri="{28A0092B-C50C-407E-A947-70E740481C1C}">
+                <a14:useLocalDpi xmlns:a14="http://schemas.microsoft.com/office/drawing/2010/main" val="0"/>
+              </a:ext>
+            </a:extLst>
+          </a:blip>
+          <a:srcRect/>
+          <a:stretch>
+            <a:fillRect/>
+          </a:stretch>
+        </p:blipFill>
+        <p:spPr bwMode="auto">
+          <a:xfrm>
+            <a:off x="1257300" y="1772443"/>
+            <a:ext cx="7429500" cy="4181475"/>
+          </a:xfrm>
+          <a:prstGeom prst="rect">
+            <a:avLst/>
+          </a:prstGeom>
+          <a:noFill/>
+          <a:extLst>
+            <a:ext uri="{909E8E84-426E-40DD-AFC4-6F175D3DCCD1}">
+              <a14:hiddenFill xmlns:a14="http://schemas.microsoft.com/office/drawing/2010/main">
+                <a:solidFill>
+                  <a:srgbClr val="FFFFFF"/>
+                </a:solidFill>
+              </a14:hiddenFill>
+            </a:ext>
+          </a:extLst>
+        </p:spPr>
+      </p:pic>
+    </p:spTree>
+    <p:extLst>
+      <p:ext uri="{BB962C8B-B14F-4D97-AF65-F5344CB8AC3E}">
+        <p14:creationId xmlns:p14="http://schemas.microsoft.com/office/powerpoint/2010/main" val="512317067"/>
+      </p:ext>
+    </p:extLst>
+  </p:cSld>
+  <p:clrMapOvr>
+    <a:masterClrMapping/>
+  </p:clrMapOvr>
 </p:sld>
 </file>
 
